--- a/background편집장.pptx
+++ b/background편집장.pptx
@@ -6,6 +6,7 @@
   </p:sldMasterIdLst>
   <p:sldIdLst>
     <p:sldId id="256" r:id="rId2"/>
+    <p:sldId id="257" r:id="rId3"/>
   </p:sldIdLst>
   <p:sldSz cx="9144000" cy="6858000" type="screen4x3"/>
   <p:notesSz cx="6858000" cy="9144000"/>
@@ -288,7 +289,8 @@
           <a:p>
             <a:fld id="{A44CBCAC-4D0F-465B-8F0A-CE6159410203}" type="datetimeFigureOut">
               <a:rPr lang="ko-KR" altLang="en-US" smtClean="0"/>
-              <a:t>2019-05-24</a:t>
+              <a:pPr/>
+              <a:t>2019-05-31</a:t>
             </a:fld>
             <a:endParaRPr lang="ko-KR" altLang="en-US"/>
           </a:p>
@@ -330,6 +332,7 @@
           <a:p>
             <a:fld id="{B89AC7F5-925A-4C9A-BDEF-CACEC5644D0A}" type="slidenum">
               <a:rPr lang="ko-KR" altLang="en-US" smtClean="0"/>
+              <a:pPr/>
               <a:t>‹#›</a:t>
             </a:fld>
             <a:endParaRPr lang="ko-KR" altLang="en-US"/>
@@ -453,7 +456,8 @@
           <a:p>
             <a:fld id="{A44CBCAC-4D0F-465B-8F0A-CE6159410203}" type="datetimeFigureOut">
               <a:rPr lang="ko-KR" altLang="en-US" smtClean="0"/>
-              <a:t>2019-05-24</a:t>
+              <a:pPr/>
+              <a:t>2019-05-31</a:t>
             </a:fld>
             <a:endParaRPr lang="ko-KR" altLang="en-US"/>
           </a:p>
@@ -495,6 +499,7 @@
           <a:p>
             <a:fld id="{B89AC7F5-925A-4C9A-BDEF-CACEC5644D0A}" type="slidenum">
               <a:rPr lang="ko-KR" altLang="en-US" smtClean="0"/>
+              <a:pPr/>
               <a:t>‹#›</a:t>
             </a:fld>
             <a:endParaRPr lang="ko-KR" altLang="en-US"/>
@@ -628,7 +633,8 @@
           <a:p>
             <a:fld id="{A44CBCAC-4D0F-465B-8F0A-CE6159410203}" type="datetimeFigureOut">
               <a:rPr lang="ko-KR" altLang="en-US" smtClean="0"/>
-              <a:t>2019-05-24</a:t>
+              <a:pPr/>
+              <a:t>2019-05-31</a:t>
             </a:fld>
             <a:endParaRPr lang="ko-KR" altLang="en-US"/>
           </a:p>
@@ -670,6 +676,7 @@
           <a:p>
             <a:fld id="{B89AC7F5-925A-4C9A-BDEF-CACEC5644D0A}" type="slidenum">
               <a:rPr lang="ko-KR" altLang="en-US" smtClean="0"/>
+              <a:pPr/>
               <a:t>‹#›</a:t>
             </a:fld>
             <a:endParaRPr lang="ko-KR" altLang="en-US"/>
@@ -793,7 +800,8 @@
           <a:p>
             <a:fld id="{A44CBCAC-4D0F-465B-8F0A-CE6159410203}" type="datetimeFigureOut">
               <a:rPr lang="ko-KR" altLang="en-US" smtClean="0"/>
-              <a:t>2019-05-24</a:t>
+              <a:pPr/>
+              <a:t>2019-05-31</a:t>
             </a:fld>
             <a:endParaRPr lang="ko-KR" altLang="en-US"/>
           </a:p>
@@ -835,6 +843,7 @@
           <a:p>
             <a:fld id="{B89AC7F5-925A-4C9A-BDEF-CACEC5644D0A}" type="slidenum">
               <a:rPr lang="ko-KR" altLang="en-US" smtClean="0"/>
+              <a:pPr/>
               <a:t>‹#›</a:t>
             </a:fld>
             <a:endParaRPr lang="ko-KR" altLang="en-US"/>
@@ -1034,7 +1043,8 @@
           <a:p>
             <a:fld id="{A44CBCAC-4D0F-465B-8F0A-CE6159410203}" type="datetimeFigureOut">
               <a:rPr lang="ko-KR" altLang="en-US" smtClean="0"/>
-              <a:t>2019-05-24</a:t>
+              <a:pPr/>
+              <a:t>2019-05-31</a:t>
             </a:fld>
             <a:endParaRPr lang="ko-KR" altLang="en-US"/>
           </a:p>
@@ -1076,6 +1086,7 @@
           <a:p>
             <a:fld id="{B89AC7F5-925A-4C9A-BDEF-CACEC5644D0A}" type="slidenum">
               <a:rPr lang="ko-KR" altLang="en-US" smtClean="0"/>
+              <a:pPr/>
               <a:t>‹#›</a:t>
             </a:fld>
             <a:endParaRPr lang="ko-KR" altLang="en-US"/>
@@ -1317,7 +1328,8 @@
           <a:p>
             <a:fld id="{A44CBCAC-4D0F-465B-8F0A-CE6159410203}" type="datetimeFigureOut">
               <a:rPr lang="ko-KR" altLang="en-US" smtClean="0"/>
-              <a:t>2019-05-24</a:t>
+              <a:pPr/>
+              <a:t>2019-05-31</a:t>
             </a:fld>
             <a:endParaRPr lang="ko-KR" altLang="en-US"/>
           </a:p>
@@ -1359,6 +1371,7 @@
           <a:p>
             <a:fld id="{B89AC7F5-925A-4C9A-BDEF-CACEC5644D0A}" type="slidenum">
               <a:rPr lang="ko-KR" altLang="en-US" smtClean="0"/>
+              <a:pPr/>
               <a:t>‹#›</a:t>
             </a:fld>
             <a:endParaRPr lang="ko-KR" altLang="en-US"/>
@@ -1734,7 +1747,8 @@
           <a:p>
             <a:fld id="{A44CBCAC-4D0F-465B-8F0A-CE6159410203}" type="datetimeFigureOut">
               <a:rPr lang="ko-KR" altLang="en-US" smtClean="0"/>
-              <a:t>2019-05-24</a:t>
+              <a:pPr/>
+              <a:t>2019-05-31</a:t>
             </a:fld>
             <a:endParaRPr lang="ko-KR" altLang="en-US"/>
           </a:p>
@@ -1776,6 +1790,7 @@
           <a:p>
             <a:fld id="{B89AC7F5-925A-4C9A-BDEF-CACEC5644D0A}" type="slidenum">
               <a:rPr lang="ko-KR" altLang="en-US" smtClean="0"/>
+              <a:pPr/>
               <a:t>‹#›</a:t>
             </a:fld>
             <a:endParaRPr lang="ko-KR" altLang="en-US"/>
@@ -1847,7 +1862,8 @@
           <a:p>
             <a:fld id="{A44CBCAC-4D0F-465B-8F0A-CE6159410203}" type="datetimeFigureOut">
               <a:rPr lang="ko-KR" altLang="en-US" smtClean="0"/>
-              <a:t>2019-05-24</a:t>
+              <a:pPr/>
+              <a:t>2019-05-31</a:t>
             </a:fld>
             <a:endParaRPr lang="ko-KR" altLang="en-US"/>
           </a:p>
@@ -1889,6 +1905,7 @@
           <a:p>
             <a:fld id="{B89AC7F5-925A-4C9A-BDEF-CACEC5644D0A}" type="slidenum">
               <a:rPr lang="ko-KR" altLang="en-US" smtClean="0"/>
+              <a:pPr/>
               <a:t>‹#›</a:t>
             </a:fld>
             <a:endParaRPr lang="ko-KR" altLang="en-US"/>
@@ -1937,7 +1954,8 @@
           <a:p>
             <a:fld id="{A44CBCAC-4D0F-465B-8F0A-CE6159410203}" type="datetimeFigureOut">
               <a:rPr lang="ko-KR" altLang="en-US" smtClean="0"/>
-              <a:t>2019-05-24</a:t>
+              <a:pPr/>
+              <a:t>2019-05-31</a:t>
             </a:fld>
             <a:endParaRPr lang="ko-KR" altLang="en-US"/>
           </a:p>
@@ -1979,6 +1997,7 @@
           <a:p>
             <a:fld id="{B89AC7F5-925A-4C9A-BDEF-CACEC5644D0A}" type="slidenum">
               <a:rPr lang="ko-KR" altLang="en-US" smtClean="0"/>
+              <a:pPr/>
               <a:t>‹#›</a:t>
             </a:fld>
             <a:endParaRPr lang="ko-KR" altLang="en-US"/>
@@ -2209,7 +2228,8 @@
           <a:p>
             <a:fld id="{A44CBCAC-4D0F-465B-8F0A-CE6159410203}" type="datetimeFigureOut">
               <a:rPr lang="ko-KR" altLang="en-US" smtClean="0"/>
-              <a:t>2019-05-24</a:t>
+              <a:pPr/>
+              <a:t>2019-05-31</a:t>
             </a:fld>
             <a:endParaRPr lang="ko-KR" altLang="en-US"/>
           </a:p>
@@ -2251,6 +2271,7 @@
           <a:p>
             <a:fld id="{B89AC7F5-925A-4C9A-BDEF-CACEC5644D0A}" type="slidenum">
               <a:rPr lang="ko-KR" altLang="en-US" smtClean="0"/>
+              <a:pPr/>
               <a:t>‹#›</a:t>
             </a:fld>
             <a:endParaRPr lang="ko-KR" altLang="en-US"/>
@@ -2457,7 +2478,8 @@
           <a:p>
             <a:fld id="{A44CBCAC-4D0F-465B-8F0A-CE6159410203}" type="datetimeFigureOut">
               <a:rPr lang="ko-KR" altLang="en-US" smtClean="0"/>
-              <a:t>2019-05-24</a:t>
+              <a:pPr/>
+              <a:t>2019-05-31</a:t>
             </a:fld>
             <a:endParaRPr lang="ko-KR" altLang="en-US"/>
           </a:p>
@@ -2499,6 +2521,7 @@
           <a:p>
             <a:fld id="{B89AC7F5-925A-4C9A-BDEF-CACEC5644D0A}" type="slidenum">
               <a:rPr lang="ko-KR" altLang="en-US" smtClean="0"/>
+              <a:pPr/>
               <a:t>‹#›</a:t>
             </a:fld>
             <a:endParaRPr lang="ko-KR" altLang="en-US"/>
@@ -2665,7 +2688,8 @@
           <a:p>
             <a:fld id="{A44CBCAC-4D0F-465B-8F0A-CE6159410203}" type="datetimeFigureOut">
               <a:rPr lang="ko-KR" altLang="en-US" smtClean="0"/>
-              <a:t>2019-05-24</a:t>
+              <a:pPr/>
+              <a:t>2019-05-31</a:t>
             </a:fld>
             <a:endParaRPr lang="ko-KR" altLang="en-US"/>
           </a:p>
@@ -2743,6 +2767,7 @@
           <a:p>
             <a:fld id="{B89AC7F5-925A-4C9A-BDEF-CACEC5644D0A}" type="slidenum">
               <a:rPr lang="ko-KR" altLang="en-US" smtClean="0"/>
+              <a:pPr/>
               <a:t>‹#›</a:t>
             </a:fld>
             <a:endParaRPr lang="ko-KR" altLang="en-US"/>
@@ -3159,6 +3184,209 @@
 </p:sld>
 </file>
 
+<file path=ppt/slides/slide2.xml><?xml version="1.0" encoding="utf-8"?>
+<p:sld xmlns:a="http://schemas.openxmlformats.org/drawingml/2006/main" xmlns:r="http://schemas.openxmlformats.org/officeDocument/2006/relationships" xmlns:p="http://schemas.openxmlformats.org/presentationml/2006/main">
+  <p:cSld>
+    <p:spTree>
+      <p:nvGrpSpPr>
+        <p:cNvPr id="1" name=""/>
+        <p:cNvGrpSpPr/>
+        <p:nvPr/>
+      </p:nvGrpSpPr>
+      <p:grpSpPr>
+        <a:xfrm>
+          <a:off x="0" y="0"/>
+          <a:ext cx="0" cy="0"/>
+          <a:chOff x="0" y="0"/>
+          <a:chExt cx="0" cy="0"/>
+        </a:xfrm>
+      </p:grpSpPr>
+      <p:sp>
+        <p:nvSpPr>
+          <p:cNvPr id="5" name="직사각형 4"/>
+          <p:cNvSpPr/>
+          <p:nvPr/>
+        </p:nvSpPr>
+        <p:spPr>
+          <a:xfrm>
+            <a:off x="-59804" y="-1164580"/>
+            <a:ext cx="7560000" cy="10692000"/>
+          </a:xfrm>
+          <a:prstGeom prst="rect">
+            <a:avLst/>
+          </a:prstGeom>
+          <a:solidFill>
+            <a:schemeClr val="bg1"/>
+          </a:solidFill>
+          <a:ln>
+            <a:noFill/>
+          </a:ln>
+        </p:spPr>
+        <p:style>
+          <a:lnRef idx="2">
+            <a:schemeClr val="accent1">
+              <a:shade val="50000"/>
+            </a:schemeClr>
+          </a:lnRef>
+          <a:fillRef idx="1">
+            <a:schemeClr val="accent1"/>
+          </a:fillRef>
+          <a:effectRef idx="0">
+            <a:schemeClr val="accent1"/>
+          </a:effectRef>
+          <a:fontRef idx="minor">
+            <a:schemeClr val="lt1"/>
+          </a:fontRef>
+        </p:style>
+        <p:txBody>
+          <a:bodyPr rtlCol="0" anchor="ctr"/>
+          <a:lstStyle/>
+          <a:p>
+            <a:pPr algn="ctr"/>
+            <a:endParaRPr lang="ko-KR" altLang="en-US"/>
+          </a:p>
+        </p:txBody>
+      </p:sp>
+      <p:pic>
+        <p:nvPicPr>
+          <p:cNvPr id="1028" name="Picture 4" descr="C:\Users\HSK\Documents\GitHub\excel-to-history\background.jpg"/>
+          <p:cNvPicPr>
+            <a:picLocks noChangeAspect="1" noChangeArrowheads="1"/>
+          </p:cNvPicPr>
+          <p:nvPr/>
+        </p:nvPicPr>
+        <p:blipFill>
+          <a:blip r:embed="rId2" cstate="print"/>
+          <a:srcRect t="2775" b="87828"/>
+          <a:stretch>
+            <a:fillRect/>
+          </a:stretch>
+        </p:blipFill>
+        <p:spPr bwMode="auto">
+          <a:xfrm>
+            <a:off x="-9685584" y="-2043608"/>
+            <a:ext cx="4773115" cy="636960"/>
+          </a:xfrm>
+          <a:prstGeom prst="rect">
+            <a:avLst/>
+          </a:prstGeom>
+          <a:noFill/>
+        </p:spPr>
+      </p:pic>
+      <p:pic>
+        <p:nvPicPr>
+          <p:cNvPr id="1027" name="Picture 3" descr="C:\Users\HSK\Desktop\그림1.png"/>
+          <p:cNvPicPr>
+            <a:picLocks noChangeAspect="1" noChangeArrowheads="1"/>
+          </p:cNvPicPr>
+          <p:nvPr/>
+        </p:nvPicPr>
+        <p:blipFill>
+          <a:blip r:embed="rId3" cstate="print"/>
+          <a:srcRect t="65881" r="17650" b="13014"/>
+          <a:stretch>
+            <a:fillRect/>
+          </a:stretch>
+        </p:blipFill>
+        <p:spPr bwMode="auto">
+          <a:xfrm>
+            <a:off x="-9668167" y="4529022"/>
+            <a:ext cx="4758552" cy="1453770"/>
+          </a:xfrm>
+          <a:prstGeom prst="rect">
+            <a:avLst/>
+          </a:prstGeom>
+          <a:noFill/>
+        </p:spPr>
+      </p:pic>
+      <p:pic>
+        <p:nvPicPr>
+          <p:cNvPr id="1026" name="Picture 2"/>
+          <p:cNvPicPr>
+            <a:picLocks noChangeAspect="1" noChangeArrowheads="1"/>
+          </p:cNvPicPr>
+          <p:nvPr/>
+        </p:nvPicPr>
+        <p:blipFill>
+          <a:blip r:embed="rId4" cstate="print"/>
+          <a:srcRect t="11576" r="1230"/>
+          <a:stretch>
+            <a:fillRect/>
+          </a:stretch>
+        </p:blipFill>
+        <p:spPr bwMode="auto">
+          <a:xfrm>
+            <a:off x="-9685584" y="-1550664"/>
+            <a:ext cx="4780731" cy="6079580"/>
+          </a:xfrm>
+          <a:prstGeom prst="rect">
+            <a:avLst/>
+          </a:prstGeom>
+          <a:noFill/>
+          <a:ln w="9525">
+            <a:noFill/>
+            <a:miter lim="800000"/>
+            <a:headEnd/>
+            <a:tailEnd/>
+          </a:ln>
+        </p:spPr>
+      </p:pic>
+      <p:pic>
+        <p:nvPicPr>
+          <p:cNvPr id="6" name="그림 5" descr="background.jpg"/>
+          <p:cNvPicPr>
+            <a:picLocks noChangeAspect="1"/>
+          </p:cNvPicPr>
+          <p:nvPr/>
+        </p:nvPicPr>
+        <p:blipFill>
+          <a:blip r:embed="rId5" cstate="print"/>
+          <a:stretch>
+            <a:fillRect/>
+          </a:stretch>
+        </p:blipFill>
+        <p:spPr>
+          <a:xfrm>
+            <a:off x="10980712" y="-603448"/>
+            <a:ext cx="4830237" cy="6858000"/>
+          </a:xfrm>
+          <a:prstGeom prst="rect">
+            <a:avLst/>
+          </a:prstGeom>
+        </p:spPr>
+      </p:pic>
+      <p:pic>
+        <p:nvPicPr>
+          <p:cNvPr id="7" name="그림 6" descr="background.jpg"/>
+          <p:cNvPicPr>
+            <a:picLocks noChangeAspect="1"/>
+          </p:cNvPicPr>
+          <p:nvPr/>
+        </p:nvPicPr>
+        <p:blipFill>
+          <a:blip r:embed="rId6" cstate="print"/>
+          <a:stretch>
+            <a:fillRect/>
+          </a:stretch>
+        </p:blipFill>
+        <p:spPr>
+          <a:xfrm>
+            <a:off x="-60961" y="-1152550"/>
+            <a:ext cx="7557135" cy="6741790"/>
+          </a:xfrm>
+          <a:prstGeom prst="rect">
+            <a:avLst/>
+          </a:prstGeom>
+        </p:spPr>
+      </p:pic>
+    </p:spTree>
+  </p:cSld>
+  <p:clrMapOvr>
+    <a:masterClrMapping/>
+  </p:clrMapOvr>
+</p:sld>
+</file>
+
 <file path=ppt/theme/theme1.xml><?xml version="1.0" encoding="utf-8"?>
 <a:theme xmlns:a="http://schemas.openxmlformats.org/drawingml/2006/main" name="Office 테마">
   <a:themeElements>
